--- a/Unit 1/For Live Session Unit 1 DDS Student.pptx
+++ b/Unit 1/For Live Session Unit 1 DDS Student.pptx
@@ -3083,7 +3083,7 @@
           <a:p>
             <a:r>
               <a:rPr lang="en-US" dirty="0"/>
-              <a:t>For Live Session: Unit 1</a:t>
+              <a:t>Philosophy</a:t>
             </a:r>
             <a:br>
               <a:rPr lang="en-US" dirty="0"/>
@@ -3144,7 +3144,15 @@
           <a:p>
             <a:r>
               <a:rPr lang="en-US" dirty="0"/>
-              <a:t>It is expected that the student have all the correct answers.  The expectation is that each student spend the allotted time (indicated next to the activity) on each activity so that we can discuss the details in live session.  </a:t>
+              <a:t>It is </a:t>
+            </a:r>
+            <a:r>
+              <a:rPr lang="en-US" b="1" i="1" u="sng" dirty="0"/>
+              <a:t>not</a:t>
+            </a:r>
+            <a:r>
+              <a:rPr lang="en-US" dirty="0"/>
+              <a:t> expected that the student have all the correct answers.  The expectation is that each student spend the allotted time (indicated next to the activity) on each activity so that we can discuss the details in live session.  </a:t>
             </a:r>
           </a:p>
           <a:p>

--- a/Unit 1/For Live Session Unit 1 DDS Student.pptx
+++ b/Unit 1/For Live Session Unit 1 DDS Student.pptx
@@ -246,7 +246,7 @@
           <a:p>
             <a:fld id="{4E223589-D1FE-5045-809F-56B69D3AD8BF}" type="datetimeFigureOut">
               <a:rPr lang="en-US" smtClean="0"/>
-              <a:t>1/2/20</a:t>
+              <a:t>1/2/23</a:t>
             </a:fld>
             <a:endParaRPr lang="en-US"/>
           </a:p>
@@ -416,7 +416,7 @@
           <a:p>
             <a:fld id="{4E223589-D1FE-5045-809F-56B69D3AD8BF}" type="datetimeFigureOut">
               <a:rPr lang="en-US" smtClean="0"/>
-              <a:t>1/2/20</a:t>
+              <a:t>1/2/23</a:t>
             </a:fld>
             <a:endParaRPr lang="en-US"/>
           </a:p>
@@ -596,7 +596,7 @@
           <a:p>
             <a:fld id="{4E223589-D1FE-5045-809F-56B69D3AD8BF}" type="datetimeFigureOut">
               <a:rPr lang="en-US" smtClean="0"/>
-              <a:t>1/2/20</a:t>
+              <a:t>1/2/23</a:t>
             </a:fld>
             <a:endParaRPr lang="en-US"/>
           </a:p>
@@ -766,7 +766,7 @@
           <a:p>
             <a:fld id="{4E223589-D1FE-5045-809F-56B69D3AD8BF}" type="datetimeFigureOut">
               <a:rPr lang="en-US" smtClean="0"/>
-              <a:t>1/2/20</a:t>
+              <a:t>1/2/23</a:t>
             </a:fld>
             <a:endParaRPr lang="en-US"/>
           </a:p>
@@ -1010,7 +1010,7 @@
           <a:p>
             <a:fld id="{4E223589-D1FE-5045-809F-56B69D3AD8BF}" type="datetimeFigureOut">
               <a:rPr lang="en-US" smtClean="0"/>
-              <a:t>1/2/20</a:t>
+              <a:t>1/2/23</a:t>
             </a:fld>
             <a:endParaRPr lang="en-US"/>
           </a:p>
@@ -1242,7 +1242,7 @@
           <a:p>
             <a:fld id="{4E223589-D1FE-5045-809F-56B69D3AD8BF}" type="datetimeFigureOut">
               <a:rPr lang="en-US" smtClean="0"/>
-              <a:t>1/2/20</a:t>
+              <a:t>1/2/23</a:t>
             </a:fld>
             <a:endParaRPr lang="en-US"/>
           </a:p>
@@ -1609,7 +1609,7 @@
           <a:p>
             <a:fld id="{4E223589-D1FE-5045-809F-56B69D3AD8BF}" type="datetimeFigureOut">
               <a:rPr lang="en-US" smtClean="0"/>
-              <a:t>1/2/20</a:t>
+              <a:t>1/2/23</a:t>
             </a:fld>
             <a:endParaRPr lang="en-US"/>
           </a:p>
@@ -1727,7 +1727,7 @@
           <a:p>
             <a:fld id="{4E223589-D1FE-5045-809F-56B69D3AD8BF}" type="datetimeFigureOut">
               <a:rPr lang="en-US" smtClean="0"/>
-              <a:t>1/2/20</a:t>
+              <a:t>1/2/23</a:t>
             </a:fld>
             <a:endParaRPr lang="en-US"/>
           </a:p>
@@ -1822,7 +1822,7 @@
           <a:p>
             <a:fld id="{4E223589-D1FE-5045-809F-56B69D3AD8BF}" type="datetimeFigureOut">
               <a:rPr lang="en-US" smtClean="0"/>
-              <a:t>1/2/20</a:t>
+              <a:t>1/2/23</a:t>
             </a:fld>
             <a:endParaRPr lang="en-US"/>
           </a:p>
@@ -2099,7 +2099,7 @@
           <a:p>
             <a:fld id="{4E223589-D1FE-5045-809F-56B69D3AD8BF}" type="datetimeFigureOut">
               <a:rPr lang="en-US" smtClean="0"/>
-              <a:t>1/2/20</a:t>
+              <a:t>1/2/23</a:t>
             </a:fld>
             <a:endParaRPr lang="en-US"/>
           </a:p>
@@ -2356,7 +2356,7 @@
           <a:p>
             <a:fld id="{4E223589-D1FE-5045-809F-56B69D3AD8BF}" type="datetimeFigureOut">
               <a:rPr lang="en-US" smtClean="0"/>
-              <a:t>1/2/20</a:t>
+              <a:t>1/2/23</a:t>
             </a:fld>
             <a:endParaRPr lang="en-US"/>
           </a:p>
@@ -2569,7 +2569,7 @@
           <a:p>
             <a:fld id="{4E223589-D1FE-5045-809F-56B69D3AD8BF}" type="datetimeFigureOut">
               <a:rPr lang="en-US" smtClean="0"/>
-              <a:t>1/2/20</a:t>
+              <a:t>1/2/23</a:t>
             </a:fld>
             <a:endParaRPr lang="en-US"/>
           </a:p>
@@ -3078,7 +3078,9 @@
         </p:nvSpPr>
         <p:spPr/>
         <p:txBody>
-          <a:bodyPr/>
+          <a:bodyPr>
+            <a:normAutofit/>
+          </a:bodyPr>
           <a:lstStyle/>
           <a:p>
             <a:r>
@@ -3090,7 +3092,7 @@
             </a:br>
             <a:r>
               <a:rPr lang="en-US" sz="2800" i="1" dirty="0"/>
-              <a:t>Due 24 hours before live session.</a:t>
+              <a:t>Due at 1pm CST the day of live session.</a:t>
             </a:r>
             <a:endParaRPr lang="en-US" i="1" dirty="0"/>
           </a:p>
@@ -3234,8 +3236,8 @@
               <a:rPr lang="en-US" dirty="0"/>
             </a:br>
             <a:r>
-              <a:rPr lang="en-US" sz="2800" dirty="0"/>
-              <a:t>Due 24 hours before live session.</a:t>
+              <a:rPr lang="en-US" sz="2800" i="1" dirty="0"/>
+              <a:t>Due at 1pm CST the day of live session.</a:t>
             </a:r>
             <a:endParaRPr lang="en-US" dirty="0"/>
           </a:p>
@@ -3287,7 +3289,15 @@
             </a:r>
             <a:r>
               <a:rPr lang="en-US" dirty="0"/>
-              <a:t>: Make a bar plot for your data science profile.  (1-2 hours)</a:t>
+              <a:t>: Make a bar plot for your data science profile.  (1-2 hours) The Data Science Profile is described in the Cathy O’Neil reading for Unit 1 from </a:t>
+            </a:r>
+            <a:r>
+              <a:rPr lang="en-US" i="1" dirty="0"/>
+              <a:t>Doing Data Science</a:t>
+            </a:r>
+            <a:r>
+              <a:rPr lang="en-US" dirty="0"/>
+              <a:t>. </a:t>
             </a:r>
           </a:p>
           <a:p>

--- a/Unit 1/For Live Session Unit 1 DDS Student.pptx
+++ b/Unit 1/For Live Session Unit 1 DDS Student.pptx
@@ -246,7 +246,7 @@
           <a:p>
             <a:fld id="{4E223589-D1FE-5045-809F-56B69D3AD8BF}" type="datetimeFigureOut">
               <a:rPr lang="en-US" smtClean="0"/>
-              <a:t>1/2/23</a:t>
+              <a:t>4/30/23</a:t>
             </a:fld>
             <a:endParaRPr lang="en-US"/>
           </a:p>
@@ -416,7 +416,7 @@
           <a:p>
             <a:fld id="{4E223589-D1FE-5045-809F-56B69D3AD8BF}" type="datetimeFigureOut">
               <a:rPr lang="en-US" smtClean="0"/>
-              <a:t>1/2/23</a:t>
+              <a:t>4/30/23</a:t>
             </a:fld>
             <a:endParaRPr lang="en-US"/>
           </a:p>
@@ -596,7 +596,7 @@
           <a:p>
             <a:fld id="{4E223589-D1FE-5045-809F-56B69D3AD8BF}" type="datetimeFigureOut">
               <a:rPr lang="en-US" smtClean="0"/>
-              <a:t>1/2/23</a:t>
+              <a:t>4/30/23</a:t>
             </a:fld>
             <a:endParaRPr lang="en-US"/>
           </a:p>
@@ -766,7 +766,7 @@
           <a:p>
             <a:fld id="{4E223589-D1FE-5045-809F-56B69D3AD8BF}" type="datetimeFigureOut">
               <a:rPr lang="en-US" smtClean="0"/>
-              <a:t>1/2/23</a:t>
+              <a:t>4/30/23</a:t>
             </a:fld>
             <a:endParaRPr lang="en-US"/>
           </a:p>
@@ -1010,7 +1010,7 @@
           <a:p>
             <a:fld id="{4E223589-D1FE-5045-809F-56B69D3AD8BF}" type="datetimeFigureOut">
               <a:rPr lang="en-US" smtClean="0"/>
-              <a:t>1/2/23</a:t>
+              <a:t>4/30/23</a:t>
             </a:fld>
             <a:endParaRPr lang="en-US"/>
           </a:p>
@@ -1242,7 +1242,7 @@
           <a:p>
             <a:fld id="{4E223589-D1FE-5045-809F-56B69D3AD8BF}" type="datetimeFigureOut">
               <a:rPr lang="en-US" smtClean="0"/>
-              <a:t>1/2/23</a:t>
+              <a:t>4/30/23</a:t>
             </a:fld>
             <a:endParaRPr lang="en-US"/>
           </a:p>
@@ -1609,7 +1609,7 @@
           <a:p>
             <a:fld id="{4E223589-D1FE-5045-809F-56B69D3AD8BF}" type="datetimeFigureOut">
               <a:rPr lang="en-US" smtClean="0"/>
-              <a:t>1/2/23</a:t>
+              <a:t>4/30/23</a:t>
             </a:fld>
             <a:endParaRPr lang="en-US"/>
           </a:p>
@@ -1727,7 +1727,7 @@
           <a:p>
             <a:fld id="{4E223589-D1FE-5045-809F-56B69D3AD8BF}" type="datetimeFigureOut">
               <a:rPr lang="en-US" smtClean="0"/>
-              <a:t>1/2/23</a:t>
+              <a:t>4/30/23</a:t>
             </a:fld>
             <a:endParaRPr lang="en-US"/>
           </a:p>
@@ -1822,7 +1822,7 @@
           <a:p>
             <a:fld id="{4E223589-D1FE-5045-809F-56B69D3AD8BF}" type="datetimeFigureOut">
               <a:rPr lang="en-US" smtClean="0"/>
-              <a:t>1/2/23</a:t>
+              <a:t>4/30/23</a:t>
             </a:fld>
             <a:endParaRPr lang="en-US"/>
           </a:p>
@@ -2099,7 +2099,7 @@
           <a:p>
             <a:fld id="{4E223589-D1FE-5045-809F-56B69D3AD8BF}" type="datetimeFigureOut">
               <a:rPr lang="en-US" smtClean="0"/>
-              <a:t>1/2/23</a:t>
+              <a:t>4/30/23</a:t>
             </a:fld>
             <a:endParaRPr lang="en-US"/>
           </a:p>
@@ -2356,7 +2356,7 @@
           <a:p>
             <a:fld id="{4E223589-D1FE-5045-809F-56B69D3AD8BF}" type="datetimeFigureOut">
               <a:rPr lang="en-US" smtClean="0"/>
-              <a:t>1/2/23</a:t>
+              <a:t>4/30/23</a:t>
             </a:fld>
             <a:endParaRPr lang="en-US"/>
           </a:p>
@@ -2569,7 +2569,7 @@
           <a:p>
             <a:fld id="{4E223589-D1FE-5045-809F-56B69D3AD8BF}" type="datetimeFigureOut">
               <a:rPr lang="en-US" smtClean="0"/>
-              <a:t>1/2/23</a:t>
+              <a:t>4/30/23</a:t>
             </a:fld>
             <a:endParaRPr lang="en-US"/>
           </a:p>
@@ -3381,6 +3381,27 @@
             <a:r>
               <a:rPr lang="en-US" dirty="0"/>
               <a:t>What is the mean and standard deviation of these 10,000 sample means?  </a:t>
+            </a:r>
+          </a:p>
+          <a:p>
+            <a:pPr marL="514350" indent="-514350">
+              <a:buAutoNum type="arabicPeriod"/>
+            </a:pPr>
+            <a:r>
+              <a:rPr lang="en-US" b="1" dirty="0"/>
+              <a:t>Ask </a:t>
+            </a:r>
+            <a:r>
+              <a:rPr lang="en-US" b="1" dirty="0" err="1"/>
+              <a:t>ChatGPT</a:t>
+            </a:r>
+            <a:r>
+              <a:rPr lang="en-US" b="1" dirty="0"/>
+              <a:t> (you pick the version) to try </a:t>
+            </a:r>
+            <a:r>
+              <a:rPr lang="en-US" b="1"/>
+              <a:t>and address the previous question.</a:t>
             </a:r>
           </a:p>
           <a:p>
